--- a/Project4-G3_1.pptx
+++ b/Project4-G3_1.pptx
@@ -25582,7 +25582,7 @@
                 <a:latin typeface="Athelas" panose="02000503000000020003" pitchFamily="2" charset="77"/>
                 <a:ea typeface="思源黑体 CN Medium" panose="020B0600000000000000" pitchFamily="34" charset="-122"/>
               </a:rPr>
-              <a:t>Preparation – 2. Confusion Matrix</a:t>
+              <a:t>Preparation – 3. Confusion Matrix</a:t>
             </a:r>
             <a:endParaRPr lang="zh-CN" altLang="en-US" sz="3000" b="1" dirty="0">
               <a:solidFill>
@@ -25886,36 +25886,6 @@
           </a:fontRef>
         </p:style>
       </p:cxnSp>
-      <p:pic>
-        <p:nvPicPr>
-          <p:cNvPr id="33" name="Picture 32">
-            <a:extLst>
-              <a:ext uri="{FF2B5EF4-FFF2-40B4-BE49-F238E27FC236}">
-                <a16:creationId xmlns:a16="http://schemas.microsoft.com/office/drawing/2014/main" id="{D1D25D36-F1EF-C746-9023-7C8C96E6F04E}"/>
-              </a:ext>
-            </a:extLst>
-          </p:cNvPr>
-          <p:cNvPicPr>
-            <a:picLocks noChangeAspect="1"/>
-          </p:cNvPicPr>
-          <p:nvPr/>
-        </p:nvPicPr>
-        <p:blipFill>
-          <a:blip r:embed="rId3"/>
-          <a:stretch>
-            <a:fillRect/>
-          </a:stretch>
-        </p:blipFill>
-        <p:spPr>
-          <a:xfrm>
-            <a:off x="5774427" y="2870170"/>
-            <a:ext cx="5359704" cy="3313760"/>
-          </a:xfrm>
-          <a:prstGeom prst="rect">
-            <a:avLst/>
-          </a:prstGeom>
-        </p:spPr>
-      </p:pic>
       <p:sp>
         <p:nvSpPr>
           <p:cNvPr id="20" name="TextBox 19">
@@ -25998,6 +25968,36 @@
           </a:p>
         </p:txBody>
       </p:sp>
+      <p:pic>
+        <p:nvPicPr>
+          <p:cNvPr id="2" name="图片 1">
+            <a:extLst>
+              <a:ext uri="{FF2B5EF4-FFF2-40B4-BE49-F238E27FC236}">
+                <a16:creationId xmlns:a16="http://schemas.microsoft.com/office/drawing/2014/main" id="{06C8CFC2-0F38-0D4E-B3F8-47C4C3748F5F}"/>
+              </a:ext>
+            </a:extLst>
+          </p:cNvPr>
+          <p:cNvPicPr>
+            <a:picLocks noChangeAspect="1"/>
+          </p:cNvPicPr>
+          <p:nvPr/>
+        </p:nvPicPr>
+        <p:blipFill>
+          <a:blip r:embed="rId3"/>
+          <a:stretch>
+            <a:fillRect/>
+          </a:stretch>
+        </p:blipFill>
+        <p:spPr>
+          <a:xfrm>
+            <a:off x="5496669" y="2870171"/>
+            <a:ext cx="5436319" cy="3388874"/>
+          </a:xfrm>
+          <a:prstGeom prst="rect">
+            <a:avLst/>
+          </a:prstGeom>
+        </p:spPr>
+      </p:pic>
     </p:spTree>
     <p:extLst>
       <p:ext uri="{BB962C8B-B14F-4D97-AF65-F5344CB8AC3E}">
